--- a/Livro.pptx
+++ b/Livro.pptx
@@ -104,6 +104,11 @@
       </a:defRPr>
     </a:lvl9pPr>
   </p:defaultTextStyle>
+  <p:extLst>
+    <p:ext uri="{EFAFB233-063F-42B5-8137-9DF3F51BA10A}">
+      <p15:sldGuideLst xmlns:p15="http://schemas.microsoft.com/office/powerpoint/2012/main"/>
+    </p:ext>
+  </p:extLst>
 </p:presentation>
 </file>
 
@@ -3080,6 +3085,55 @@
           </a:p>
         </p:txBody>
       </p:sp>
+      <p:sp>
+        <p:nvSpPr>
+          <p:cNvPr id="2" name="Retângulo 1">
+            <a:hlinkClick r:id="rId3" action="ppaction://hlinkfile"/>
+          </p:cNvPr>
+          <p:cNvSpPr/>
+          <p:nvPr/>
+        </p:nvSpPr>
+        <p:spPr>
+          <a:xfrm>
+            <a:off x="8617907" y="2317315"/>
+            <a:ext cx="2530257" cy="1089764"/>
+          </a:xfrm>
+          <a:prstGeom prst="rect">
+            <a:avLst/>
+          </a:prstGeom>
+        </p:spPr>
+        <p:style>
+          <a:lnRef idx="2">
+            <a:schemeClr val="accent1">
+              <a:shade val="50000"/>
+            </a:schemeClr>
+          </a:lnRef>
+          <a:fillRef idx="1">
+            <a:schemeClr val="accent1"/>
+          </a:fillRef>
+          <a:effectRef idx="0">
+            <a:schemeClr val="accent1"/>
+          </a:effectRef>
+          <a:fontRef idx="minor">
+            <a:schemeClr val="lt1"/>
+          </a:fontRef>
+        </p:style>
+        <p:txBody>
+          <a:bodyPr rtlCol="0" anchor="ctr"/>
+          <a:lstStyle/>
+          <a:p>
+            <a:pPr algn="ctr"/>
+            <a:r>
+              <a:rPr lang="pt-BR" dirty="0" err="1" smtClean="0"/>
+              <a:t>Cap</a:t>
+            </a:r>
+            <a:r>
+              <a:rPr lang="pt-BR" dirty="0" smtClean="0"/>
+              <a:t> 2</a:t>
+            </a:r>
+          </a:p>
+        </p:txBody>
+      </p:sp>
     </p:spTree>
     <p:extLst>
       <p:ext uri="{BB962C8B-B14F-4D97-AF65-F5344CB8AC3E}">

--- a/Livro.pptx
+++ b/Livro.pptx
@@ -3134,6 +3134,56 @@
           </a:p>
         </p:txBody>
       </p:sp>
+      <p:sp>
+        <p:nvSpPr>
+          <p:cNvPr id="3" name="Retângulo 2">
+            <a:hlinkClick r:id="rId4" action="ppaction://hlinkfile"/>
+          </p:cNvPr>
+          <p:cNvSpPr/>
+          <p:nvPr/>
+        </p:nvSpPr>
+        <p:spPr>
+          <a:xfrm>
+            <a:off x="8617907" y="3657600"/>
+            <a:ext cx="2530257" cy="676405"/>
+          </a:xfrm>
+          <a:prstGeom prst="rect">
+            <a:avLst/>
+          </a:prstGeom>
+        </p:spPr>
+        <p:style>
+          <a:lnRef idx="2">
+            <a:schemeClr val="accent1">
+              <a:shade val="50000"/>
+            </a:schemeClr>
+          </a:lnRef>
+          <a:fillRef idx="1">
+            <a:schemeClr val="accent1"/>
+          </a:fillRef>
+          <a:effectRef idx="0">
+            <a:schemeClr val="accent1"/>
+          </a:effectRef>
+          <a:fontRef idx="minor">
+            <a:schemeClr val="lt1"/>
+          </a:fontRef>
+        </p:style>
+        <p:txBody>
+          <a:bodyPr rtlCol="0" anchor="ctr"/>
+          <a:lstStyle/>
+          <a:p>
+            <a:pPr algn="ctr"/>
+            <a:r>
+              <a:rPr lang="pt-BR" dirty="0" err="1" smtClean="0"/>
+              <a:t>Cap</a:t>
+            </a:r>
+            <a:r>
+              <a:rPr lang="pt-BR" smtClean="0"/>
+              <a:t> 3</a:t>
+            </a:r>
+            <a:endParaRPr lang="pt-BR"/>
+          </a:p>
+        </p:txBody>
+      </p:sp>
     </p:spTree>
     <p:extLst>
       <p:ext uri="{BB962C8B-B14F-4D97-AF65-F5344CB8AC3E}">

--- a/Livro.pptx
+++ b/Livro.pptx
@@ -104,6 +104,11 @@
       </a:defRPr>
     </a:lvl9pPr>
   </p:defaultTextStyle>
+  <p:extLst>
+    <p:ext uri="{EFAFB233-063F-42B5-8137-9DF3F51BA10A}">
+      <p15:sldGuideLst xmlns:p15="http://schemas.microsoft.com/office/powerpoint/2012/main"/>
+    </p:ext>
+  </p:extLst>
 </p:presentation>
 </file>
 
@@ -3080,6 +3085,105 @@
           </a:p>
         </p:txBody>
       </p:sp>
+      <p:sp>
+        <p:nvSpPr>
+          <p:cNvPr id="2" name="Retângulo 1">
+            <a:hlinkClick r:id="rId3" action="ppaction://hlinkfile"/>
+          </p:cNvPr>
+          <p:cNvSpPr/>
+          <p:nvPr/>
+        </p:nvSpPr>
+        <p:spPr>
+          <a:xfrm>
+            <a:off x="8617907" y="2317315"/>
+            <a:ext cx="2530257" cy="1089764"/>
+          </a:xfrm>
+          <a:prstGeom prst="rect">
+            <a:avLst/>
+          </a:prstGeom>
+        </p:spPr>
+        <p:style>
+          <a:lnRef idx="2">
+            <a:schemeClr val="accent1">
+              <a:shade val="50000"/>
+            </a:schemeClr>
+          </a:lnRef>
+          <a:fillRef idx="1">
+            <a:schemeClr val="accent1"/>
+          </a:fillRef>
+          <a:effectRef idx="0">
+            <a:schemeClr val="accent1"/>
+          </a:effectRef>
+          <a:fontRef idx="minor">
+            <a:schemeClr val="lt1"/>
+          </a:fontRef>
+        </p:style>
+        <p:txBody>
+          <a:bodyPr rtlCol="0" anchor="ctr"/>
+          <a:lstStyle/>
+          <a:p>
+            <a:pPr algn="ctr"/>
+            <a:r>
+              <a:rPr lang="pt-BR" dirty="0" err="1" smtClean="0"/>
+              <a:t>Cap</a:t>
+            </a:r>
+            <a:r>
+              <a:rPr lang="pt-BR" dirty="0" smtClean="0"/>
+              <a:t> 2</a:t>
+            </a:r>
+          </a:p>
+        </p:txBody>
+      </p:sp>
+      <p:sp>
+        <p:nvSpPr>
+          <p:cNvPr id="3" name="Retângulo 2">
+            <a:hlinkClick r:id="rId4" action="ppaction://hlinkfile"/>
+          </p:cNvPr>
+          <p:cNvSpPr/>
+          <p:nvPr/>
+        </p:nvSpPr>
+        <p:spPr>
+          <a:xfrm>
+            <a:off x="8617907" y="3657600"/>
+            <a:ext cx="2530257" cy="676405"/>
+          </a:xfrm>
+          <a:prstGeom prst="rect">
+            <a:avLst/>
+          </a:prstGeom>
+        </p:spPr>
+        <p:style>
+          <a:lnRef idx="2">
+            <a:schemeClr val="accent1">
+              <a:shade val="50000"/>
+            </a:schemeClr>
+          </a:lnRef>
+          <a:fillRef idx="1">
+            <a:schemeClr val="accent1"/>
+          </a:fillRef>
+          <a:effectRef idx="0">
+            <a:schemeClr val="accent1"/>
+          </a:effectRef>
+          <a:fontRef idx="minor">
+            <a:schemeClr val="lt1"/>
+          </a:fontRef>
+        </p:style>
+        <p:txBody>
+          <a:bodyPr rtlCol="0" anchor="ctr"/>
+          <a:lstStyle/>
+          <a:p>
+            <a:pPr algn="ctr"/>
+            <a:r>
+              <a:rPr lang="pt-BR" dirty="0" err="1" smtClean="0"/>
+              <a:t>Cap</a:t>
+            </a:r>
+            <a:r>
+              <a:rPr lang="pt-BR" smtClean="0"/>
+              <a:t> 3</a:t>
+            </a:r>
+            <a:endParaRPr lang="pt-BR"/>
+          </a:p>
+        </p:txBody>
+      </p:sp>
     </p:spTree>
     <p:extLst>
       <p:ext uri="{BB962C8B-B14F-4D97-AF65-F5344CB8AC3E}">
